--- a/Striders.pptx
+++ b/Striders.pptx
@@ -5,22 +5,23 @@
     <p:sldMasterId id="2147483648" r:id="rId1"/>
   </p:sldMasterIdLst>
   <p:notesMasterIdLst>
-    <p:notesMasterId r:id="rId15"/>
+    <p:notesMasterId r:id="rId16"/>
   </p:notesMasterIdLst>
   <p:sldIdLst>
     <p:sldId id="256" r:id="rId2"/>
     <p:sldId id="257" r:id="rId3"/>
     <p:sldId id="258" r:id="rId4"/>
-    <p:sldId id="259" r:id="rId5"/>
-    <p:sldId id="260" r:id="rId6"/>
-    <p:sldId id="261" r:id="rId7"/>
-    <p:sldId id="262" r:id="rId8"/>
-    <p:sldId id="263" r:id="rId9"/>
-    <p:sldId id="264" r:id="rId10"/>
-    <p:sldId id="265" r:id="rId11"/>
-    <p:sldId id="266" r:id="rId12"/>
-    <p:sldId id="268" r:id="rId13"/>
-    <p:sldId id="267" r:id="rId14"/>
+    <p:sldId id="269" r:id="rId5"/>
+    <p:sldId id="259" r:id="rId6"/>
+    <p:sldId id="260" r:id="rId7"/>
+    <p:sldId id="261" r:id="rId8"/>
+    <p:sldId id="262" r:id="rId9"/>
+    <p:sldId id="263" r:id="rId10"/>
+    <p:sldId id="264" r:id="rId11"/>
+    <p:sldId id="265" r:id="rId12"/>
+    <p:sldId id="266" r:id="rId13"/>
+    <p:sldId id="268" r:id="rId14"/>
+    <p:sldId id="267" r:id="rId15"/>
   </p:sldIdLst>
   <p:sldSz cx="9144000" cy="6858000" type="screen4x3"/>
   <p:notesSz cx="6858000" cy="9144000"/>
@@ -155,6 +156,128 @@
     </p:ext>
   </p:extLst>
 </p:presentation>
+</file>
+
+<file path=ppt/revisionInfo.xml><?xml version="1.0" encoding="utf-8"?>
+<p1510:revInfo xmlns:a="http://schemas.openxmlformats.org/drawingml/2006/main" xmlns:r="http://schemas.openxmlformats.org/officeDocument/2006/relationships" xmlns:p1510="http://schemas.microsoft.com/office/powerpoint/2015/10/main">
+  <p1510:revLst>
+    <p1510:client id="{7A5FF3F8-7A1D-4532-BB41-4281CB074E7D}" v="10" dt="2019-06-26T08:45:57.225"/>
+  </p1510:revLst>
+</p1510:revInfo>
+</file>
+
+<file path=ppt/changesInfos/changesInfo1.xml><?xml version="1.0" encoding="utf-8"?>
+<pc:chgInfo xmlns:a="http://schemas.openxmlformats.org/drawingml/2006/main" xmlns:r="http://schemas.openxmlformats.org/officeDocument/2006/relationships" xmlns:ac="http://schemas.microsoft.com/office/drawing/2013/main/command" xmlns:pc="http://schemas.microsoft.com/office/powerpoint/2013/main/command">
+  <pc:docChgLst>
+    <pc:chgData name="Laurens Van Damme" userId="cf9431caf3b2abcc" providerId="LiveId" clId="{7A5FF3F8-7A1D-4532-BB41-4281CB074E7D}"/>
+    <pc:docChg chg="addSld delSld modSld">
+      <pc:chgData name="Laurens Van Damme" userId="cf9431caf3b2abcc" providerId="LiveId" clId="{7A5FF3F8-7A1D-4532-BB41-4281CB074E7D}" dt="2019-06-26T08:46:57.165" v="20" actId="1076"/>
+      <pc:docMkLst>
+        <pc:docMk/>
+      </pc:docMkLst>
+      <pc:sldChg chg="addSp delSp modSp">
+        <pc:chgData name="Laurens Van Damme" userId="cf9431caf3b2abcc" providerId="LiveId" clId="{7A5FF3F8-7A1D-4532-BB41-4281CB074E7D}" dt="2019-06-26T08:42:42.897" v="7" actId="1076"/>
+        <pc:sldMkLst>
+          <pc:docMk/>
+          <pc:sldMk cId="392503107" sldId="258"/>
+        </pc:sldMkLst>
+        <pc:spChg chg="add del mod">
+          <ac:chgData name="Laurens Van Damme" userId="cf9431caf3b2abcc" providerId="LiveId" clId="{7A5FF3F8-7A1D-4532-BB41-4281CB074E7D}" dt="2019-06-26T08:42:08.657" v="4"/>
+          <ac:spMkLst>
+            <pc:docMk/>
+            <pc:sldMk cId="392503107" sldId="258"/>
+            <ac:spMk id="3" creationId="{D69E4D45-0F1A-47EF-B823-9C24C889A2C7}"/>
+          </ac:spMkLst>
+        </pc:spChg>
+        <pc:picChg chg="add mod">
+          <ac:chgData name="Laurens Van Damme" userId="cf9431caf3b2abcc" providerId="LiveId" clId="{7A5FF3F8-7A1D-4532-BB41-4281CB074E7D}" dt="2019-06-26T08:42:42.897" v="7" actId="1076"/>
+          <ac:picMkLst>
+            <pc:docMk/>
+            <pc:sldMk cId="392503107" sldId="258"/>
+            <ac:picMk id="4" creationId="{D6E65347-BDB2-444D-8DF2-3E278959D03C}"/>
+          </ac:picMkLst>
+        </pc:picChg>
+        <pc:picChg chg="del">
+          <ac:chgData name="Laurens Van Damme" userId="cf9431caf3b2abcc" providerId="LiveId" clId="{7A5FF3F8-7A1D-4532-BB41-4281CB074E7D}" dt="2019-06-26T08:40:06.068" v="3" actId="478"/>
+          <ac:picMkLst>
+            <pc:docMk/>
+            <pc:sldMk cId="392503107" sldId="258"/>
+            <ac:picMk id="5" creationId="{C80D1A5D-AE0F-4993-85B8-648A3175EFAC}"/>
+          </ac:picMkLst>
+        </pc:picChg>
+      </pc:sldChg>
+      <pc:sldChg chg="addSp modSp">
+        <pc:chgData name="Laurens Van Damme" userId="cf9431caf3b2abcc" providerId="LiveId" clId="{7A5FF3F8-7A1D-4532-BB41-4281CB074E7D}" dt="2019-06-26T08:46:57.165" v="20" actId="1076"/>
+        <pc:sldMkLst>
+          <pc:docMk/>
+          <pc:sldMk cId="3758898691" sldId="264"/>
+        </pc:sldMkLst>
+        <pc:picChg chg="add mod">
+          <ac:chgData name="Laurens Van Damme" userId="cf9431caf3b2abcc" providerId="LiveId" clId="{7A5FF3F8-7A1D-4532-BB41-4281CB074E7D}" dt="2019-06-26T08:45:59.486" v="12" actId="1076"/>
+          <ac:picMkLst>
+            <pc:docMk/>
+            <pc:sldMk cId="3758898691" sldId="264"/>
+            <ac:picMk id="3" creationId="{12680C40-4A1B-417C-BFC0-15302127D836}"/>
+          </ac:picMkLst>
+        </pc:picChg>
+        <pc:picChg chg="mod">
+          <ac:chgData name="Laurens Van Damme" userId="cf9431caf3b2abcc" providerId="LiveId" clId="{7A5FF3F8-7A1D-4532-BB41-4281CB074E7D}" dt="2019-06-26T08:46:57.165" v="20" actId="1076"/>
+          <ac:picMkLst>
+            <pc:docMk/>
+            <pc:sldMk cId="3758898691" sldId="264"/>
+            <ac:picMk id="4" creationId="{B383C38A-D881-41BE-9FF0-84D3B680019A}"/>
+          </ac:picMkLst>
+        </pc:picChg>
+        <pc:picChg chg="mod">
+          <ac:chgData name="Laurens Van Damme" userId="cf9431caf3b2abcc" providerId="LiveId" clId="{7A5FF3F8-7A1D-4532-BB41-4281CB074E7D}" dt="2019-06-26T08:46:48.556" v="18" actId="1076"/>
+          <ac:picMkLst>
+            <pc:docMk/>
+            <pc:sldMk cId="3758898691" sldId="264"/>
+            <ac:picMk id="5" creationId="{1EB801C3-93C1-4937-9988-5EDDD312FCB7}"/>
+          </ac:picMkLst>
+        </pc:picChg>
+        <pc:picChg chg="mod">
+          <ac:chgData name="Laurens Van Damme" userId="cf9431caf3b2abcc" providerId="LiveId" clId="{7A5FF3F8-7A1D-4532-BB41-4281CB074E7D}" dt="2019-06-26T08:46:45.683" v="17" actId="1076"/>
+          <ac:picMkLst>
+            <pc:docMk/>
+            <pc:sldMk cId="3758898691" sldId="264"/>
+            <ac:picMk id="6" creationId="{8FC79BED-C74D-4473-AC9E-00249AA94E29}"/>
+          </ac:picMkLst>
+        </pc:picChg>
+      </pc:sldChg>
+      <pc:sldChg chg="addSp delSp modSp add">
+        <pc:chgData name="Laurens Van Damme" userId="cf9431caf3b2abcc" providerId="LiveId" clId="{7A5FF3F8-7A1D-4532-BB41-4281CB074E7D}" dt="2019-06-26T08:40:01.315" v="2" actId="478"/>
+        <pc:sldMkLst>
+          <pc:docMk/>
+          <pc:sldMk cId="1167192426" sldId="269"/>
+        </pc:sldMkLst>
+        <pc:spChg chg="add del mod">
+          <ac:chgData name="Laurens Van Damme" userId="cf9431caf3b2abcc" providerId="LiveId" clId="{7A5FF3F8-7A1D-4532-BB41-4281CB074E7D}" dt="2019-06-26T08:40:01.315" v="2" actId="478"/>
+          <ac:spMkLst>
+            <pc:docMk/>
+            <pc:sldMk cId="1167192426" sldId="269"/>
+            <ac:spMk id="3" creationId="{4239A5ED-1B55-494B-91D9-B13B76C3C7B5}"/>
+          </ac:spMkLst>
+        </pc:spChg>
+        <pc:picChg chg="add del">
+          <ac:chgData name="Laurens Van Damme" userId="cf9431caf3b2abcc" providerId="LiveId" clId="{7A5FF3F8-7A1D-4532-BB41-4281CB074E7D}" dt="2019-06-26T08:40:01.315" v="2" actId="478"/>
+          <ac:picMkLst>
+            <pc:docMk/>
+            <pc:sldMk cId="1167192426" sldId="269"/>
+            <ac:picMk id="5" creationId="{C80D1A5D-AE0F-4993-85B8-648A3175EFAC}"/>
+          </ac:picMkLst>
+        </pc:picChg>
+      </pc:sldChg>
+      <pc:sldChg chg="add del">
+        <pc:chgData name="Laurens Van Damme" userId="cf9431caf3b2abcc" providerId="LiveId" clId="{7A5FF3F8-7A1D-4532-BB41-4281CB074E7D}" dt="2019-06-26T08:45:49.408" v="9" actId="2696"/>
+        <pc:sldMkLst>
+          <pc:docMk/>
+          <pc:sldMk cId="2385689157" sldId="270"/>
+        </pc:sldMkLst>
+      </pc:sldChg>
+    </pc:docChg>
+  </pc:docChgLst>
+</pc:chgInfo>
 </file>
 
 <file path=ppt/notesMasters/notesMaster1.xml><?xml version="1.0" encoding="utf-8"?>
@@ -1033,7 +1156,7 @@
             <a:fld id="{00E56FCF-7ADF-49ED-B7B4-16EFA1D8D972}" type="slidenum">
               <a:rPr lang="en-US" altLang="en-US" smtClean="0"/>
               <a:pPr/>
-              <a:t>6</a:t>
+              <a:t>7</a:t>
             </a:fld>
             <a:endParaRPr lang="en-US" altLang="en-US"/>
           </a:p>
@@ -1118,7 +1241,7 @@
             <a:fld id="{00E56FCF-7ADF-49ED-B7B4-16EFA1D8D972}" type="slidenum">
               <a:rPr lang="en-US" altLang="en-US" smtClean="0"/>
               <a:pPr/>
-              <a:t>7</a:t>
+              <a:t>8</a:t>
             </a:fld>
             <a:endParaRPr lang="en-US" altLang="en-US"/>
           </a:p>
@@ -4016,7 +4139,7 @@
           <p:cNvPr id="2" name="Title 1">
             <a:extLst>
               <a:ext uri="{FF2B5EF4-FFF2-40B4-BE49-F238E27FC236}">
-                <a16:creationId xmlns:a16="http://schemas.microsoft.com/office/drawing/2014/main" id="{A8FDCF09-B769-4E7E-A612-43341F340840}"/>
+                <a16:creationId xmlns:a16="http://schemas.microsoft.com/office/drawing/2014/main" id="{E49AC700-C0AD-4D70-9E37-0E540E73B8E6}"/>
               </a:ext>
             </a:extLst>
           </p:cNvPr>
@@ -4033,51 +4156,140 @@
           <a:lstStyle/>
           <a:p>
             <a:r>
-              <a:rPr lang="en-US" dirty="0"/>
-              <a:t>Simulation of Belgium</a:t>
-            </a:r>
+              <a:rPr lang="en-US" altLang="en-US" dirty="0"/>
+              <a:t>Size class for company staff</a:t>
+            </a:r>
+            <a:br>
+              <a:rPr lang="en-US" altLang="en-US" dirty="0"/>
+            </a:br>
+            <a:endParaRPr lang="en-US" dirty="0"/>
           </a:p>
         </p:txBody>
       </p:sp>
       <p:pic>
         <p:nvPicPr>
-          <p:cNvPr id="5" name="Content Placeholder 4" descr="A picture containing screenshot&#10;&#10;Description automatically generated">
-            <a:extLst>
-              <a:ext uri="{FF2B5EF4-FFF2-40B4-BE49-F238E27FC236}">
-                <a16:creationId xmlns:a16="http://schemas.microsoft.com/office/drawing/2014/main" id="{C7145BA7-23D9-4746-BB7F-D8C4682C11C2}"/>
+          <p:cNvPr id="4" name="Picture 3">
+            <a:extLst>
+              <a:ext uri="{FF2B5EF4-FFF2-40B4-BE49-F238E27FC236}">
+                <a16:creationId xmlns:a16="http://schemas.microsoft.com/office/drawing/2014/main" id="{B383C38A-D881-41BE-9FF0-84D3B680019A}"/>
               </a:ext>
             </a:extLst>
           </p:cNvPr>
           <p:cNvPicPr>
-            <a:picLocks noGrp="1" noChangeAspect="1"/>
+            <a:picLocks noChangeAspect="1"/>
           </p:cNvPicPr>
-          <p:nvPr>
-            <p:ph idx="1"/>
-          </p:nvPr>
+          <p:nvPr/>
         </p:nvPicPr>
         <p:blipFill>
-          <a:blip r:embed="rId2">
-            <a:extLst>
-              <a:ext uri="{28A0092B-C50C-407E-A947-70E740481C1C}">
-                <a14:useLocalDpi xmlns:a14="http://schemas.microsoft.com/office/drawing/2010/main" val="0"/>
-              </a:ext>
-            </a:extLst>
-          </a:blip>
+          <a:blip r:embed="rId2"/>
           <a:stretch>
             <a:fillRect/>
           </a:stretch>
         </p:blipFill>
         <p:spPr>
           <a:xfrm>
-            <a:off x="1866900" y="1981200"/>
-            <a:ext cx="5410200" cy="4057650"/>
+            <a:off x="5011009" y="2438400"/>
+            <a:ext cx="3305199" cy="619130"/>
           </a:xfrm>
+          <a:prstGeom prst="rect">
+            <a:avLst/>
+          </a:prstGeom>
+        </p:spPr>
+      </p:pic>
+      <p:pic>
+        <p:nvPicPr>
+          <p:cNvPr id="5" name="Picture 4">
+            <a:extLst>
+              <a:ext uri="{FF2B5EF4-FFF2-40B4-BE49-F238E27FC236}">
+                <a16:creationId xmlns:a16="http://schemas.microsoft.com/office/drawing/2014/main" id="{1EB801C3-93C1-4937-9988-5EDDD312FCB7}"/>
+              </a:ext>
+            </a:extLst>
+          </p:cNvPr>
+          <p:cNvPicPr>
+            <a:picLocks noChangeAspect="1"/>
+          </p:cNvPicPr>
+          <p:nvPr/>
+        </p:nvPicPr>
+        <p:blipFill>
+          <a:blip r:embed="rId3"/>
+          <a:stretch>
+            <a:fillRect/>
+          </a:stretch>
+        </p:blipFill>
+        <p:spPr>
+          <a:xfrm>
+            <a:off x="886654" y="3637094"/>
+            <a:ext cx="7429554" cy="652467"/>
+          </a:xfrm>
+          <a:prstGeom prst="rect">
+            <a:avLst/>
+          </a:prstGeom>
+        </p:spPr>
+      </p:pic>
+      <p:pic>
+        <p:nvPicPr>
+          <p:cNvPr id="6" name="Picture 5">
+            <a:extLst>
+              <a:ext uri="{FF2B5EF4-FFF2-40B4-BE49-F238E27FC236}">
+                <a16:creationId xmlns:a16="http://schemas.microsoft.com/office/drawing/2014/main" id="{8FC79BED-C74D-4473-AC9E-00249AA94E29}"/>
+              </a:ext>
+            </a:extLst>
+          </p:cNvPr>
+          <p:cNvPicPr>
+            <a:picLocks noChangeAspect="1"/>
+          </p:cNvPicPr>
+          <p:nvPr/>
+        </p:nvPicPr>
+        <p:blipFill>
+          <a:blip r:embed="rId4"/>
+          <a:stretch>
+            <a:fillRect/>
+          </a:stretch>
+        </p:blipFill>
+        <p:spPr>
+          <a:xfrm>
+            <a:off x="4558568" y="4577358"/>
+            <a:ext cx="3757640" cy="738193"/>
+          </a:xfrm>
+          <a:prstGeom prst="rect">
+            <a:avLst/>
+          </a:prstGeom>
+        </p:spPr>
+      </p:pic>
+      <p:pic>
+        <p:nvPicPr>
+          <p:cNvPr id="3" name="Picture 2">
+            <a:extLst>
+              <a:ext uri="{FF2B5EF4-FFF2-40B4-BE49-F238E27FC236}">
+                <a16:creationId xmlns:a16="http://schemas.microsoft.com/office/drawing/2014/main" id="{12680C40-4A1B-417C-BFC0-15302127D836}"/>
+              </a:ext>
+            </a:extLst>
+          </p:cNvPr>
+          <p:cNvPicPr>
+            <a:picLocks noChangeAspect="1"/>
+          </p:cNvPicPr>
+          <p:nvPr/>
+        </p:nvPicPr>
+        <p:blipFill>
+          <a:blip r:embed="rId5"/>
+          <a:stretch>
+            <a:fillRect/>
+          </a:stretch>
+        </p:blipFill>
+        <p:spPr>
+          <a:xfrm>
+            <a:off x="685800" y="1909102"/>
+            <a:ext cx="3624289" cy="1276359"/>
+          </a:xfrm>
+          <a:prstGeom prst="rect">
+            <a:avLst/>
+          </a:prstGeom>
         </p:spPr>
       </p:pic>
     </p:spTree>
     <p:extLst>
       <p:ext uri="{BB962C8B-B14F-4D97-AF65-F5344CB8AC3E}">
-        <p14:creationId xmlns:p14="http://schemas.microsoft.com/office/powerpoint/2010/main" val="1338461840"/>
+        <p14:creationId xmlns:p14="http://schemas.microsoft.com/office/powerpoint/2010/main" val="3758898691"/>
       </p:ext>
     </p:extLst>
   </p:cSld>
@@ -4109,6 +4321,99 @@
           <p:cNvPr id="2" name="Title 1">
             <a:extLst>
               <a:ext uri="{FF2B5EF4-FFF2-40B4-BE49-F238E27FC236}">
+                <a16:creationId xmlns:a16="http://schemas.microsoft.com/office/drawing/2014/main" id="{A8FDCF09-B769-4E7E-A612-43341F340840}"/>
+              </a:ext>
+            </a:extLst>
+          </p:cNvPr>
+          <p:cNvSpPr>
+            <a:spLocks noGrp="1"/>
+          </p:cNvSpPr>
+          <p:nvPr>
+            <p:ph type="title"/>
+          </p:nvPr>
+        </p:nvSpPr>
+        <p:spPr/>
+        <p:txBody>
+          <a:bodyPr/>
+          <a:lstStyle/>
+          <a:p>
+            <a:r>
+              <a:rPr lang="en-US" dirty="0"/>
+              <a:t>Simulation of Belgium</a:t>
+            </a:r>
+          </a:p>
+        </p:txBody>
+      </p:sp>
+      <p:pic>
+        <p:nvPicPr>
+          <p:cNvPr id="5" name="Content Placeholder 4" descr="A picture containing screenshot&#10;&#10;Description automatically generated">
+            <a:extLst>
+              <a:ext uri="{FF2B5EF4-FFF2-40B4-BE49-F238E27FC236}">
+                <a16:creationId xmlns:a16="http://schemas.microsoft.com/office/drawing/2014/main" id="{C7145BA7-23D9-4746-BB7F-D8C4682C11C2}"/>
+              </a:ext>
+            </a:extLst>
+          </p:cNvPr>
+          <p:cNvPicPr>
+            <a:picLocks noGrp="1" noChangeAspect="1"/>
+          </p:cNvPicPr>
+          <p:nvPr>
+            <p:ph idx="1"/>
+          </p:nvPr>
+        </p:nvPicPr>
+        <p:blipFill>
+          <a:blip r:embed="rId2">
+            <a:extLst>
+              <a:ext uri="{28A0092B-C50C-407E-A947-70E740481C1C}">
+                <a14:useLocalDpi xmlns:a14="http://schemas.microsoft.com/office/drawing/2010/main" val="0"/>
+              </a:ext>
+            </a:extLst>
+          </a:blip>
+          <a:stretch>
+            <a:fillRect/>
+          </a:stretch>
+        </p:blipFill>
+        <p:spPr>
+          <a:xfrm>
+            <a:off x="1866900" y="1981200"/>
+            <a:ext cx="5410200" cy="4057650"/>
+          </a:xfrm>
+        </p:spPr>
+      </p:pic>
+    </p:spTree>
+    <p:extLst>
+      <p:ext uri="{BB962C8B-B14F-4D97-AF65-F5344CB8AC3E}">
+        <p14:creationId xmlns:p14="http://schemas.microsoft.com/office/powerpoint/2010/main" val="1338461840"/>
+      </p:ext>
+    </p:extLst>
+  </p:cSld>
+  <p:clrMapOvr>
+    <a:masterClrMapping/>
+  </p:clrMapOvr>
+</p:sld>
+</file>
+
+<file path=ppt/slides/slide12.xml><?xml version="1.0" encoding="utf-8"?>
+<p:sld xmlns:a="http://schemas.openxmlformats.org/drawingml/2006/main" xmlns:r="http://schemas.openxmlformats.org/officeDocument/2006/relationships" xmlns:p="http://schemas.openxmlformats.org/presentationml/2006/main">
+  <p:cSld>
+    <p:spTree>
+      <p:nvGrpSpPr>
+        <p:cNvPr id="1" name=""/>
+        <p:cNvGrpSpPr/>
+        <p:nvPr/>
+      </p:nvGrpSpPr>
+      <p:grpSpPr>
+        <a:xfrm>
+          <a:off x="0" y="0"/>
+          <a:ext cx="0" cy="0"/>
+          <a:chOff x="0" y="0"/>
+          <a:chExt cx="0" cy="0"/>
+        </a:xfrm>
+      </p:grpSpPr>
+      <p:sp>
+        <p:nvSpPr>
+          <p:cNvPr id="2" name="Title 1">
+            <a:extLst>
+              <a:ext uri="{FF2B5EF4-FFF2-40B4-BE49-F238E27FC236}">
                 <a16:creationId xmlns:a16="http://schemas.microsoft.com/office/drawing/2014/main" id="{E4CF5E35-E756-43A2-9EA6-70848B811F08}"/>
               </a:ext>
             </a:extLst>
@@ -4180,7 +4485,7 @@
 </p:sld>
 </file>
 
-<file path=ppt/slides/slide12.xml><?xml version="1.0" encoding="utf-8"?>
+<file path=ppt/slides/slide13.xml><?xml version="1.0" encoding="utf-8"?>
 <p:sld xmlns:a="http://schemas.openxmlformats.org/drawingml/2006/main" xmlns:r="http://schemas.openxmlformats.org/officeDocument/2006/relationships" xmlns:p="http://schemas.openxmlformats.org/presentationml/2006/main">
   <p:cSld>
     <p:spTree>
@@ -4285,7 +4590,7 @@
 </p:sld>
 </file>
 
-<file path=ppt/slides/slide13.xml><?xml version="1.0" encoding="utf-8"?>
+<file path=ppt/slides/slide14.xml><?xml version="1.0" encoding="utf-8"?>
 <p:sld xmlns:a="http://schemas.openxmlformats.org/drawingml/2006/main" xmlns:r="http://schemas.openxmlformats.org/officeDocument/2006/relationships" xmlns:p="http://schemas.openxmlformats.org/presentationml/2006/main">
   <p:cSld>
     <p:spTree>
@@ -4562,10 +4867,10 @@
       </p:sp>
       <p:pic>
         <p:nvPicPr>
-          <p:cNvPr id="5" name="Content Placeholder 4" descr="A picture containing screenshot&#10;&#10;Description automatically generated">
-            <a:extLst>
-              <a:ext uri="{FF2B5EF4-FFF2-40B4-BE49-F238E27FC236}">
-                <a16:creationId xmlns:a16="http://schemas.microsoft.com/office/drawing/2014/main" id="{C80D1A5D-AE0F-4993-85B8-648A3175EFAC}"/>
+          <p:cNvPr id="4" name="Content Placeholder 3">
+            <a:extLst>
+              <a:ext uri="{FF2B5EF4-FFF2-40B4-BE49-F238E27FC236}">
+                <a16:creationId xmlns:a16="http://schemas.microsoft.com/office/drawing/2014/main" id="{D6E65347-BDB2-444D-8DF2-3E278959D03C}"/>
               </a:ext>
             </a:extLst>
           </p:cNvPr>
@@ -4577,22 +4882,19 @@
           </p:nvPr>
         </p:nvPicPr>
         <p:blipFill>
-          <a:blip r:embed="rId2">
-            <a:extLst>
-              <a:ext uri="{28A0092B-C50C-407E-A947-70E740481C1C}">
-                <a14:useLocalDpi xmlns:a14="http://schemas.microsoft.com/office/drawing/2010/main" val="0"/>
-              </a:ext>
-            </a:extLst>
-          </a:blip>
+          <a:blip r:embed="rId2"/>
           <a:stretch>
             <a:fillRect/>
           </a:stretch>
         </p:blipFill>
         <p:spPr>
           <a:xfrm>
-            <a:off x="1883014" y="2030413"/>
-            <a:ext cx="5371621" cy="4028716"/>
+            <a:off x="568509" y="2971800"/>
+            <a:ext cx="8006981" cy="933456"/>
           </a:xfrm>
+          <a:prstGeom prst="rect">
+            <a:avLst/>
+          </a:prstGeom>
         </p:spPr>
       </p:pic>
     </p:spTree>
@@ -4661,6 +4963,105 @@
       </p:sp>
       <p:pic>
         <p:nvPicPr>
+          <p:cNvPr id="5" name="Content Placeholder 4" descr="A picture containing screenshot&#10;&#10;Description automatically generated">
+            <a:extLst>
+              <a:ext uri="{FF2B5EF4-FFF2-40B4-BE49-F238E27FC236}">
+                <a16:creationId xmlns:a16="http://schemas.microsoft.com/office/drawing/2014/main" id="{C80D1A5D-AE0F-4993-85B8-648A3175EFAC}"/>
+              </a:ext>
+            </a:extLst>
+          </p:cNvPr>
+          <p:cNvPicPr>
+            <a:picLocks noGrp="1" noChangeAspect="1"/>
+          </p:cNvPicPr>
+          <p:nvPr>
+            <p:ph idx="1"/>
+          </p:nvPr>
+        </p:nvPicPr>
+        <p:blipFill>
+          <a:blip r:embed="rId2">
+            <a:extLst>
+              <a:ext uri="{28A0092B-C50C-407E-A947-70E740481C1C}">
+                <a14:useLocalDpi xmlns:a14="http://schemas.microsoft.com/office/drawing/2010/main" val="0"/>
+              </a:ext>
+            </a:extLst>
+          </a:blip>
+          <a:stretch>
+            <a:fillRect/>
+          </a:stretch>
+        </p:blipFill>
+        <p:spPr>
+          <a:xfrm>
+            <a:off x="1883014" y="2030413"/>
+            <a:ext cx="5371621" cy="4028716"/>
+          </a:xfrm>
+        </p:spPr>
+      </p:pic>
+    </p:spTree>
+    <p:extLst>
+      <p:ext uri="{BB962C8B-B14F-4D97-AF65-F5344CB8AC3E}">
+        <p14:creationId xmlns:p14="http://schemas.microsoft.com/office/powerpoint/2010/main" val="1167192426"/>
+      </p:ext>
+    </p:extLst>
+  </p:cSld>
+  <p:clrMapOvr>
+    <a:masterClrMapping/>
+  </p:clrMapOvr>
+</p:sld>
+</file>
+
+<file path=ppt/slides/slide5.xml><?xml version="1.0" encoding="utf-8"?>
+<p:sld xmlns:a="http://schemas.openxmlformats.org/drawingml/2006/main" xmlns:r="http://schemas.openxmlformats.org/officeDocument/2006/relationships" xmlns:p="http://schemas.openxmlformats.org/presentationml/2006/main">
+  <p:cSld>
+    <p:spTree>
+      <p:nvGrpSpPr>
+        <p:cNvPr id="1" name=""/>
+        <p:cNvGrpSpPr/>
+        <p:nvPr/>
+      </p:nvGrpSpPr>
+      <p:grpSpPr>
+        <a:xfrm>
+          <a:off x="0" y="0"/>
+          <a:ext cx="0" cy="0"/>
+          <a:chOff x="0" y="0"/>
+          <a:chExt cx="0" cy="0"/>
+        </a:xfrm>
+      </p:grpSpPr>
+      <p:sp>
+        <p:nvSpPr>
+          <p:cNvPr id="2" name="Title 1">
+            <a:extLst>
+              <a:ext uri="{FF2B5EF4-FFF2-40B4-BE49-F238E27FC236}">
+                <a16:creationId xmlns:a16="http://schemas.microsoft.com/office/drawing/2014/main" id="{0C45E127-F8D1-49CA-94AB-652E44E55DB9}"/>
+              </a:ext>
+            </a:extLst>
+          </p:cNvPr>
+          <p:cNvSpPr>
+            <a:spLocks noGrp="1"/>
+          </p:cNvSpPr>
+          <p:nvPr>
+            <p:ph type="title"/>
+          </p:nvPr>
+        </p:nvSpPr>
+        <p:spPr>
+          <a:xfrm>
+            <a:off x="633413" y="1395413"/>
+            <a:ext cx="7870825" cy="635000"/>
+          </a:xfrm>
+        </p:spPr>
+        <p:txBody>
+          <a:bodyPr/>
+          <a:lstStyle/>
+          <a:p>
+            <a:r>
+              <a:rPr lang="en-US" altLang="en-US"/>
+              <a:t>Daycare &amp; Preschool</a:t>
+            </a:r>
+            <a:endParaRPr lang="en-US" dirty="0"/>
+          </a:p>
+        </p:txBody>
+      </p:sp>
+      <p:pic>
+        <p:nvPicPr>
           <p:cNvPr id="6" name="Content Placeholder 5" descr="A screenshot of a cell phone&#10;&#10;Description automatically generated">
             <a:extLst>
               <a:ext uri="{FF2B5EF4-FFF2-40B4-BE49-F238E27FC236}">
@@ -4707,7 +5108,7 @@
 </p:sld>
 </file>
 
-<file path=ppt/slides/slide5.xml><?xml version="1.0" encoding="utf-8"?>
+<file path=ppt/slides/slide6.xml><?xml version="1.0" encoding="utf-8"?>
 <p:sld xmlns:a="http://schemas.openxmlformats.org/drawingml/2006/main" xmlns:r="http://schemas.openxmlformats.org/officeDocument/2006/relationships" xmlns:p="http://schemas.openxmlformats.org/presentationml/2006/main">
   <p:cSld>
     <p:spTree>
@@ -4830,7 +5231,7 @@
 </p:sld>
 </file>
 
-<file path=ppt/slides/slide6.xml><?xml version="1.0" encoding="utf-8"?>
+<file path=ppt/slides/slide7.xml><?xml version="1.0" encoding="utf-8"?>
 <p:sld xmlns:a="http://schemas.openxmlformats.org/drawingml/2006/main" xmlns:r="http://schemas.openxmlformats.org/officeDocument/2006/relationships" xmlns:p="http://schemas.openxmlformats.org/presentationml/2006/main">
   <p:cSld>
     <p:spTree>
@@ -4954,7 +5355,7 @@
 </p:sld>
 </file>
 
-<file path=ppt/slides/slide7.xml><?xml version="1.0" encoding="utf-8"?>
+<file path=ppt/slides/slide8.xml><?xml version="1.0" encoding="utf-8"?>
 <p:sld xmlns:a="http://schemas.openxmlformats.org/drawingml/2006/main" xmlns:r="http://schemas.openxmlformats.org/officeDocument/2006/relationships" xmlns:p="http://schemas.openxmlformats.org/presentationml/2006/main">
   <p:cSld>
     <p:spTree>
@@ -5443,115 +5844,6 @@
 </p:sld>
 </file>
 
-<file path=ppt/slides/slide8.xml><?xml version="1.0" encoding="utf-8"?>
-<p:sld xmlns:a="http://schemas.openxmlformats.org/drawingml/2006/main" xmlns:r="http://schemas.openxmlformats.org/officeDocument/2006/relationships" xmlns:p="http://schemas.openxmlformats.org/presentationml/2006/main">
-  <p:cSld>
-    <p:spTree>
-      <p:nvGrpSpPr>
-        <p:cNvPr id="1" name=""/>
-        <p:cNvGrpSpPr/>
-        <p:nvPr/>
-      </p:nvGrpSpPr>
-      <p:grpSpPr>
-        <a:xfrm>
-          <a:off x="0" y="0"/>
-          <a:ext cx="0" cy="0"/>
-          <a:chOff x="0" y="0"/>
-          <a:chExt cx="0" cy="0"/>
-        </a:xfrm>
-      </p:grpSpPr>
-      <p:sp>
-        <p:nvSpPr>
-          <p:cNvPr id="2" name="Title 1">
-            <a:extLst>
-              <a:ext uri="{FF2B5EF4-FFF2-40B4-BE49-F238E27FC236}">
-                <a16:creationId xmlns:a16="http://schemas.microsoft.com/office/drawing/2014/main" id="{7890FBA5-D61A-4242-950B-B62FADD578E7}"/>
-              </a:ext>
-            </a:extLst>
-          </p:cNvPr>
-          <p:cNvSpPr>
-            <a:spLocks noGrp="1"/>
-          </p:cNvSpPr>
-          <p:nvPr>
-            <p:ph type="title"/>
-          </p:nvPr>
-        </p:nvSpPr>
-        <p:spPr/>
-        <p:txBody>
-          <a:bodyPr/>
-          <a:lstStyle/>
-          <a:p>
-            <a:r>
-              <a:rPr lang="en-US" altLang="en-US" dirty="0"/>
-              <a:t>Demographic Profile</a:t>
-            </a:r>
-            <a:br>
-              <a:rPr lang="en-US" altLang="en-US" dirty="0"/>
-            </a:br>
-            <a:endParaRPr lang="en-US" dirty="0"/>
-          </a:p>
-        </p:txBody>
-      </p:sp>
-      <p:sp>
-        <p:nvSpPr>
-          <p:cNvPr id="3" name="Content Placeholder 2">
-            <a:extLst>
-              <a:ext uri="{FF2B5EF4-FFF2-40B4-BE49-F238E27FC236}">
-                <a16:creationId xmlns:a16="http://schemas.microsoft.com/office/drawing/2014/main" id="{D8B9D285-55AC-4F38-8860-46C9BA802B24}"/>
-              </a:ext>
-            </a:extLst>
-          </p:cNvPr>
-          <p:cNvSpPr>
-            <a:spLocks noGrp="1"/>
-          </p:cNvSpPr>
-          <p:nvPr>
-            <p:ph idx="1"/>
-          </p:nvPr>
-        </p:nvSpPr>
-        <p:spPr>
-          <a:xfrm>
-            <a:off x="633413" y="2209800"/>
-            <a:ext cx="7870825" cy="3554412"/>
-          </a:xfrm>
-        </p:spPr>
-        <p:txBody>
-          <a:bodyPr/>
-          <a:lstStyle/>
-          <a:p>
-            <a:r>
-              <a:rPr lang="en-US" dirty="0"/>
-              <a:t>Schools ~ Y/O Fraction</a:t>
-            </a:r>
-          </a:p>
-          <a:p>
-            <a:pPr lvl="1"/>
-            <a:r>
-              <a:rPr lang="en-US" dirty="0"/>
-              <a:t># daycares, preschools, k12 schools remain same</a:t>
-            </a:r>
-          </a:p>
-          <a:p>
-            <a:pPr lvl="1"/>
-            <a:r>
-              <a:rPr lang="en-US" dirty="0"/>
-              <a:t>Likelihood generation in location increases with Y/O fraction of location</a:t>
-            </a:r>
-          </a:p>
-        </p:txBody>
-      </p:sp>
-    </p:spTree>
-    <p:extLst>
-      <p:ext uri="{BB962C8B-B14F-4D97-AF65-F5344CB8AC3E}">
-        <p14:creationId xmlns:p14="http://schemas.microsoft.com/office/powerpoint/2010/main" val="1743078651"/>
-      </p:ext>
-    </p:extLst>
-  </p:cSld>
-  <p:clrMapOvr>
-    <a:masterClrMapping/>
-  </p:clrMapOvr>
-</p:sld>
-</file>
-
 <file path=ppt/slides/slide9.xml><?xml version="1.0" encoding="utf-8"?>
 <p:sld xmlns:a="http://schemas.openxmlformats.org/drawingml/2006/main" xmlns:r="http://schemas.openxmlformats.org/officeDocument/2006/relationships" xmlns:p="http://schemas.openxmlformats.org/presentationml/2006/main">
   <p:cSld>
@@ -5574,7 +5866,7 @@
           <p:cNvPr id="2" name="Title 1">
             <a:extLst>
               <a:ext uri="{FF2B5EF4-FFF2-40B4-BE49-F238E27FC236}">
-                <a16:creationId xmlns:a16="http://schemas.microsoft.com/office/drawing/2014/main" id="{E49AC700-C0AD-4D70-9E37-0E540E73B8E6}"/>
+                <a16:creationId xmlns:a16="http://schemas.microsoft.com/office/drawing/2014/main" id="{7890FBA5-D61A-4242-950B-B62FADD578E7}"/>
               </a:ext>
             </a:extLst>
           </p:cNvPr>
@@ -5592,7 +5884,7 @@
           <a:p>
             <a:r>
               <a:rPr lang="en-US" altLang="en-US" dirty="0"/>
-              <a:t>Size class for company staff</a:t>
+              <a:t>Demographic Profile</a:t>
             </a:r>
             <a:br>
               <a:rPr lang="en-US" altLang="en-US" dirty="0"/>
@@ -5601,100 +5893,57 @@
           </a:p>
         </p:txBody>
       </p:sp>
-      <p:pic>
-        <p:nvPicPr>
-          <p:cNvPr id="4" name="Picture 3">
-            <a:extLst>
-              <a:ext uri="{FF2B5EF4-FFF2-40B4-BE49-F238E27FC236}">
-                <a16:creationId xmlns:a16="http://schemas.microsoft.com/office/drawing/2014/main" id="{B383C38A-D881-41BE-9FF0-84D3B680019A}"/>
-              </a:ext>
-            </a:extLst>
-          </p:cNvPr>
-          <p:cNvPicPr>
-            <a:picLocks noChangeAspect="1"/>
-          </p:cNvPicPr>
-          <p:nvPr/>
-        </p:nvPicPr>
-        <p:blipFill>
-          <a:blip r:embed="rId2"/>
-          <a:stretch>
-            <a:fillRect/>
-          </a:stretch>
-        </p:blipFill>
+      <p:sp>
+        <p:nvSpPr>
+          <p:cNvPr id="3" name="Content Placeholder 2">
+            <a:extLst>
+              <a:ext uri="{FF2B5EF4-FFF2-40B4-BE49-F238E27FC236}">
+                <a16:creationId xmlns:a16="http://schemas.microsoft.com/office/drawing/2014/main" id="{D8B9D285-55AC-4F38-8860-46C9BA802B24}"/>
+              </a:ext>
+            </a:extLst>
+          </p:cNvPr>
+          <p:cNvSpPr>
+            <a:spLocks noGrp="1"/>
+          </p:cNvSpPr>
+          <p:nvPr>
+            <p:ph idx="1"/>
+          </p:nvPr>
+        </p:nvSpPr>
         <p:spPr>
           <a:xfrm>
-            <a:off x="2916224" y="2364306"/>
-            <a:ext cx="3305199" cy="619130"/>
+            <a:off x="633413" y="2209800"/>
+            <a:ext cx="7870825" cy="3554412"/>
           </a:xfrm>
-          <a:prstGeom prst="rect">
-            <a:avLst/>
-          </a:prstGeom>
         </p:spPr>
-      </p:pic>
-      <p:pic>
-        <p:nvPicPr>
-          <p:cNvPr id="5" name="Picture 4">
-            <a:extLst>
-              <a:ext uri="{FF2B5EF4-FFF2-40B4-BE49-F238E27FC236}">
-                <a16:creationId xmlns:a16="http://schemas.microsoft.com/office/drawing/2014/main" id="{1EB801C3-93C1-4937-9988-5EDDD312FCB7}"/>
-              </a:ext>
-            </a:extLst>
-          </p:cNvPr>
-          <p:cNvPicPr>
-            <a:picLocks noChangeAspect="1"/>
-          </p:cNvPicPr>
-          <p:nvPr/>
-        </p:nvPicPr>
-        <p:blipFill>
-          <a:blip r:embed="rId3"/>
-          <a:stretch>
-            <a:fillRect/>
-          </a:stretch>
-        </p:blipFill>
-        <p:spPr>
-          <a:xfrm>
-            <a:off x="854047" y="3400245"/>
-            <a:ext cx="7429554" cy="652467"/>
-          </a:xfrm>
-          <a:prstGeom prst="rect">
-            <a:avLst/>
-          </a:prstGeom>
-        </p:spPr>
-      </p:pic>
-      <p:pic>
-        <p:nvPicPr>
-          <p:cNvPr id="6" name="Picture 5">
-            <a:extLst>
-              <a:ext uri="{FF2B5EF4-FFF2-40B4-BE49-F238E27FC236}">
-                <a16:creationId xmlns:a16="http://schemas.microsoft.com/office/drawing/2014/main" id="{8FC79BED-C74D-4473-AC9E-00249AA94E29}"/>
-              </a:ext>
-            </a:extLst>
-          </p:cNvPr>
-          <p:cNvPicPr>
-            <a:picLocks noChangeAspect="1"/>
-          </p:cNvPicPr>
-          <p:nvPr/>
-        </p:nvPicPr>
-        <p:blipFill>
-          <a:blip r:embed="rId4"/>
-          <a:stretch>
-            <a:fillRect/>
-          </a:stretch>
-        </p:blipFill>
-        <p:spPr>
-          <a:xfrm>
-            <a:off x="2690003" y="4469521"/>
-            <a:ext cx="3757640" cy="738193"/>
-          </a:xfrm>
-          <a:prstGeom prst="rect">
-            <a:avLst/>
-          </a:prstGeom>
-        </p:spPr>
-      </p:pic>
+        <p:txBody>
+          <a:bodyPr/>
+          <a:lstStyle/>
+          <a:p>
+            <a:r>
+              <a:rPr lang="en-US" dirty="0"/>
+              <a:t>Schools ~ Y/O Fraction</a:t>
+            </a:r>
+          </a:p>
+          <a:p>
+            <a:pPr lvl="1"/>
+            <a:r>
+              <a:rPr lang="en-US" dirty="0"/>
+              <a:t># daycares, preschools, k12 schools remain same</a:t>
+            </a:r>
+          </a:p>
+          <a:p>
+            <a:pPr lvl="1"/>
+            <a:r>
+              <a:rPr lang="en-US" dirty="0"/>
+              <a:t>Likelihood generation in location increases with Y/O fraction of location</a:t>
+            </a:r>
+          </a:p>
+        </p:txBody>
+      </p:sp>
     </p:spTree>
     <p:extLst>
       <p:ext uri="{BB962C8B-B14F-4D97-AF65-F5344CB8AC3E}">
-        <p14:creationId xmlns:p14="http://schemas.microsoft.com/office/powerpoint/2010/main" val="3758898691"/>
+        <p14:creationId xmlns:p14="http://schemas.microsoft.com/office/powerpoint/2010/main" val="1743078651"/>
       </p:ext>
     </p:extLst>
   </p:cSld>
